--- a/PnP Transformation Process/Templates/Architecture Design Phase Kick Off.pptx
+++ b/PnP Transformation Process/Templates/Architecture Design Phase Kick Off.pptx
@@ -363,7 +363,7 @@
           <a:p>
             <a:fld id="{DE219B1A-AE41-483B-A766-69B9363DDA6A}" type="datetimeFigureOut">
               <a:rPr lang="en-US" smtClean="0"/>
-              <a:t>4/20/2015</a:t>
+              <a:t>5/22/2015</a:t>
             </a:fld>
             <a:endParaRPr lang="en-US" dirty="0"/>
           </a:p>
@@ -572,7 +572,7 @@
           <a:p>
             <a:fld id="{D51B1278-D92B-4AF3-A9C1-71DD298190CE}" type="datetimeFigureOut">
               <a:rPr lang="en-US" smtClean="0"/>
-              <a:t>4/20/2015</a:t>
+              <a:t>5/22/2015</a:t>
             </a:fld>
             <a:endParaRPr lang="en-US" dirty="0"/>
           </a:p>
@@ -1017,7 +1017,7 @@
                 </a:solidFill>
               </a:rPr>
               <a:pPr/>
-              <a:t>4/20/2015</a:t>
+              <a:t>5/22/2015</a:t>
             </a:fld>
             <a:endParaRPr lang="en-US" dirty="0">
               <a:solidFill>
@@ -1257,7 +1257,7 @@
                 </a:solidFill>
               </a:rPr>
               <a:pPr/>
-              <a:t>4/20/2015</a:t>
+              <a:t>5/22/2015</a:t>
             </a:fld>
             <a:endParaRPr lang="en-US" dirty="0">
               <a:solidFill>
@@ -1600,7 +1600,7 @@
                 </a:solidFill>
               </a:rPr>
               <a:pPr/>
-              <a:t>4/20/2015</a:t>
+              <a:t>5/22/2015</a:t>
             </a:fld>
             <a:endParaRPr lang="en-US" dirty="0">
               <a:solidFill>
@@ -1843,7 +1843,7 @@
           <a:p>
             <a:fld id="{C8F7DF0B-6DBF-49E1-99D2-6A728468D61E}" type="datetime1">
               <a:rPr lang="en-US" smtClean="0"/>
-              <a:t>4/20/2015</a:t>
+              <a:t>5/22/2015</a:t>
             </a:fld>
             <a:endParaRPr lang="en-US" dirty="0"/>
           </a:p>
@@ -2049,7 +2049,31 @@
                 <a:ea typeface="+mn-ea"/>
                 <a:cs typeface="+mn-cs"/>
               </a:rPr>
-              <a:t>Are they already on SP 2013, post DB upgrade, preferably post Site Collection Upgrade?</a:t>
+              <a:t>Is </a:t>
+            </a:r>
+            <a:r>
+              <a:rPr lang="en-US" sz="900" kern="1200" smtClean="0">
+                <a:solidFill>
+                  <a:schemeClr val="tx1"/>
+                </a:solidFill>
+                <a:effectLst/>
+                <a:latin typeface="Segoe UI Light" pitchFamily="34" charset="0"/>
+                <a:ea typeface="+mn-ea"/>
+                <a:cs typeface="+mn-cs"/>
+              </a:rPr>
+              <a:t>the customer already </a:t>
+            </a:r>
+            <a:r>
+              <a:rPr lang="en-US" sz="900" kern="1200" dirty="0" smtClean="0">
+                <a:solidFill>
+                  <a:schemeClr val="tx1"/>
+                </a:solidFill>
+                <a:effectLst/>
+                <a:latin typeface="Segoe UI Light" pitchFamily="34" charset="0"/>
+                <a:ea typeface="+mn-ea"/>
+                <a:cs typeface="+mn-cs"/>
+              </a:rPr>
+              <a:t>on SP 2013, post DB upgrade, preferably post Site Collection Upgrade?</a:t>
             </a:r>
           </a:p>
           <a:p>
@@ -2133,7 +2157,7 @@
           <a:p>
             <a:fld id="{C8F7DF0B-6DBF-49E1-99D2-6A728468D61E}" type="datetime1">
               <a:rPr lang="en-US" smtClean="0"/>
-              <a:t>4/20/2015</a:t>
+              <a:t>5/22/2015</a:t>
             </a:fld>
             <a:endParaRPr lang="en-US" dirty="0"/>
           </a:p>
@@ -2378,7 +2402,7 @@
                 </a:solidFill>
               </a:rPr>
               <a:pPr/>
-              <a:t>4/20/2015</a:t>
+              <a:t>5/22/2015</a:t>
             </a:fld>
             <a:endParaRPr lang="en-US" dirty="0">
               <a:solidFill>
@@ -12899,11 +12923,7 @@
             </a:r>
             <a:r>
               <a:rPr lang="en-US" smtClean="0"/>
-              <a:t>Kick </a:t>
-            </a:r>
-            <a:r>
-              <a:rPr lang="en-US" smtClean="0"/>
-              <a:t>off </a:t>
+              <a:t>Kick off </a:t>
             </a:r>
             <a:endParaRPr lang="en-US" dirty="0"/>
           </a:p>
@@ -27020,21 +27040,6 @@
 </file>
 
 <file path=customXml/item1.xml><?xml version="1.0" encoding="utf-8"?>
-<?mso-contentType ?>
-<FormTemplates xmlns="http://schemas.microsoft.com/sharepoint/v3/contenttype/forms">
-  <Display>DocumentLibraryForm</Display>
-  <Edit>DocumentLibraryForm</Edit>
-  <New>DocumentLibraryForm</New>
-</FormTemplates>
-</file>
-
-<file path=customXml/item2.xml><?xml version="1.0" encoding="utf-8"?>
-<p:properties xmlns:p="http://schemas.microsoft.com/office/2006/metadata/properties" xmlns:xsi="http://www.w3.org/2001/XMLSchema-instance" xmlns:pc="http://schemas.microsoft.com/office/infopath/2007/PartnerControls">
-  <documentManagement/>
-</p:properties>
-</file>
-
-<file path=customXml/item3.xml><?xml version="1.0" encoding="utf-8"?>
 <ct:contentTypeSchema xmlns:ct="http://schemas.microsoft.com/office/2006/metadata/contentType" xmlns:ma="http://schemas.microsoft.com/office/2006/metadata/properties/metaAttributes" ct:_="" ma:_="" ma:contentTypeName="Document" ma:contentTypeID="0x0101002E2BB85FC082DA4797BBC3A5FA5DA446" ma:contentTypeVersion="1" ma:contentTypeDescription="Create a new document." ma:contentTypeScope="" ma:versionID="247b08d10b815683bbccb5e7d63a0691">
   <xsd:schema xmlns:xsd="http://www.w3.org/2001/XMLSchema" xmlns:xs="http://www.w3.org/2001/XMLSchema" xmlns:p="http://schemas.microsoft.com/office/2006/metadata/properties" xmlns:ns2="567402d9-f61c-492c-b8ee-8bcbf1b43688" targetNamespace="http://schemas.microsoft.com/office/2006/metadata/properties" ma:root="true" ma:fieldsID="9dbbdbb07a04af7db4906e2ba19d0cba" ns2:_="">
     <xsd:import namespace="567402d9-f61c-492c-b8ee-8bcbf1b43688"/>
@@ -27174,10 +27179,35 @@
 </ct:contentTypeSchema>
 </file>
 
+<file path=customXml/item2.xml><?xml version="1.0" encoding="utf-8"?>
+<p:properties xmlns:p="http://schemas.microsoft.com/office/2006/metadata/properties" xmlns:xsi="http://www.w3.org/2001/XMLSchema-instance" xmlns:pc="http://schemas.microsoft.com/office/infopath/2007/PartnerControls">
+  <documentManagement/>
+</p:properties>
+</file>
+
+<file path=customXml/item3.xml><?xml version="1.0" encoding="utf-8"?>
+<?mso-contentType ?>
+<FormTemplates xmlns="http://schemas.microsoft.com/sharepoint/v3/contenttype/forms">
+  <Display>DocumentLibraryForm</Display>
+  <Edit>DocumentLibraryForm</Edit>
+  <New>DocumentLibraryForm</New>
+</FormTemplates>
+</file>
+
 <file path=customXml/itemProps1.xml><?xml version="1.0" encoding="utf-8"?>
-<ds:datastoreItem xmlns:ds="http://schemas.openxmlformats.org/officeDocument/2006/customXml" ds:itemID="{B4606E04-852E-4880-8CD1-0B186F4087B1}">
+<ds:datastoreItem xmlns:ds="http://schemas.openxmlformats.org/officeDocument/2006/customXml" ds:itemID="{0BA36715-8C56-4FB7-BB85-54CC9B4BCC51}">
   <ds:schemaRefs>
-    <ds:schemaRef ds:uri="http://schemas.microsoft.com/sharepoint/v3/contenttype/forms"/>
+    <ds:schemaRef ds:uri="http://schemas.microsoft.com/office/2006/metadata/contentType"/>
+    <ds:schemaRef ds:uri="http://schemas.microsoft.com/office/2006/metadata/properties/metaAttributes"/>
+    <ds:schemaRef ds:uri="http://www.w3.org/2001/XMLSchema"/>
+    <ds:schemaRef ds:uri="http://schemas.microsoft.com/office/2006/metadata/properties"/>
+    <ds:schemaRef ds:uri="567402d9-f61c-492c-b8ee-8bcbf1b43688"/>
+    <ds:schemaRef ds:uri="http://schemas.microsoft.com/office/2006/documentManagement/types"/>
+    <ds:schemaRef ds:uri="http://schemas.microsoft.com/office/infopath/2007/PartnerControls"/>
+    <ds:schemaRef ds:uri="http://schemas.openxmlformats.org/package/2006/metadata/core-properties"/>
+    <ds:schemaRef ds:uri="http://purl.org/dc/elements/1.1/"/>
+    <ds:schemaRef ds:uri="http://purl.org/dc/terms/"/>
+    <ds:schemaRef ds:uri="http://schemas.microsoft.com/internal/obd"/>
   </ds:schemaRefs>
 </ds:datastoreItem>
 </file>
@@ -27199,19 +27229,9 @@
 </file>
 
 <file path=customXml/itemProps3.xml><?xml version="1.0" encoding="utf-8"?>
-<ds:datastoreItem xmlns:ds="http://schemas.openxmlformats.org/officeDocument/2006/customXml" ds:itemID="{0BA36715-8C56-4FB7-BB85-54CC9B4BCC51}">
+<ds:datastoreItem xmlns:ds="http://schemas.openxmlformats.org/officeDocument/2006/customXml" ds:itemID="{B4606E04-852E-4880-8CD1-0B186F4087B1}">
   <ds:schemaRefs>
-    <ds:schemaRef ds:uri="http://schemas.microsoft.com/office/2006/metadata/contentType"/>
-    <ds:schemaRef ds:uri="http://schemas.microsoft.com/office/2006/metadata/properties/metaAttributes"/>
-    <ds:schemaRef ds:uri="http://www.w3.org/2001/XMLSchema"/>
-    <ds:schemaRef ds:uri="http://schemas.microsoft.com/office/2006/metadata/properties"/>
-    <ds:schemaRef ds:uri="567402d9-f61c-492c-b8ee-8bcbf1b43688"/>
-    <ds:schemaRef ds:uri="http://schemas.microsoft.com/office/2006/documentManagement/types"/>
-    <ds:schemaRef ds:uri="http://schemas.microsoft.com/office/infopath/2007/PartnerControls"/>
-    <ds:schemaRef ds:uri="http://schemas.openxmlformats.org/package/2006/metadata/core-properties"/>
-    <ds:schemaRef ds:uri="http://purl.org/dc/elements/1.1/"/>
-    <ds:schemaRef ds:uri="http://purl.org/dc/terms/"/>
-    <ds:schemaRef ds:uri="http://schemas.microsoft.com/internal/obd"/>
+    <ds:schemaRef ds:uri="http://schemas.microsoft.com/sharepoint/v3/contenttype/forms"/>
   </ds:schemaRefs>
 </ds:datastoreItem>
 </file>